--- a/Slides-RPR/2019-H1-DAA-L08-Important-Problem-Types.pptx
+++ b/Slides-RPR/2019-H1-DAA-L08-Important-Problem-Types.pptx
@@ -6328,54 +6328,6 @@
                       </p:childTnLst>
                     </p:cTn>
                   </p:par>
-                  <p:par>
-                    <p:cTn id="29" fill="hold">
-                      <p:stCondLst>
-                        <p:cond delay="indefinite"/>
-                      </p:stCondLst>
-                      <p:childTnLst>
-                        <p:par>
-                          <p:cTn id="30" fill="hold">
-                            <p:stCondLst>
-                              <p:cond delay="0"/>
-                            </p:stCondLst>
-                            <p:childTnLst>
-                              <p:par>
-                                <p:cTn id="31" presetClass="entr" nodeType="clickEffect" presetSubtype="0" presetID="1" grpId="1" fill="hold">
-                                  <p:stCondLst>
-                                    <p:cond delay="0"/>
-                                  </p:stCondLst>
-                                  <p:iterate type="el" backwards="0">
-                                    <p:tmAbs val="0"/>
-                                  </p:iterate>
-                                  <p:childTnLst>
-                                    <p:set>
-                                      <p:cBhvr>
-                                        <p:cTn id="32" fill="hold"/>
-                                        <p:tgtEl>
-                                          <p:spTgt spid="117">
-                                            <p:txEl>
-                                              <p:pRg st="6" end="6"/>
-                                            </p:txEl>
-                                          </p:spTgt>
-                                        </p:tgtEl>
-                                        <p:attrNameLst>
-                                          <p:attrName>style.visibility</p:attrName>
-                                        </p:attrNameLst>
-                                      </p:cBhvr>
-                                      <p:to>
-                                        <p:strVal val="visible"/>
-                                      </p:to>
-                                    </p:set>
-                                  </p:childTnLst>
-                                </p:cTn>
-                              </p:par>
-                            </p:childTnLst>
-                          </p:cTn>
-                        </p:par>
-                      </p:childTnLst>
-                    </p:cTn>
-                  </p:par>
                 </p:childTnLst>
               </p:cTn>
               <p:prevCondLst>
@@ -8898,8 +8850,8 @@
         </p:nvSpPr>
         <p:spPr>
           <a:xfrm>
-            <a:off x="667187" y="938113"/>
-            <a:ext cx="9082866" cy="5891610"/>
+            <a:off x="667187" y="701046"/>
+            <a:ext cx="9082866" cy="6041828"/>
           </a:xfrm>
           <a:prstGeom prst="rect">
             <a:avLst/>
@@ -11301,7 +11253,7 @@
       </p:sp>
       <p:sp>
         <p:nvSpPr>
-          <p:cNvPr id="69" name="Algorithm SelectionSort(A[0..n-1])…"/>
+          <p:cNvPr id="69" name="Algorithm BubbleSort(A[0..n-1])…"/>
           <p:cNvSpPr txBox="1"/>
           <p:nvPr>
             <p:ph type="body" idx="1"/>
@@ -11347,7 +11299,7 @@
             </a:r>
             <a:r>
               <a:rPr b="1" i="1"/>
-              <a:t>SelectionSort(A[0..n-1])</a:t>
+              <a:t>BubbleSort(A[0..n-1])</a:t>
             </a:r>
             <a:endParaRPr i="1"/>
           </a:p>
@@ -12506,7 +12458,7 @@
         <p:spPr>
           <a:xfrm>
             <a:off x="667187" y="938113"/>
-            <a:ext cx="9082866" cy="6226176"/>
+            <a:ext cx="9082866" cy="6431228"/>
           </a:xfrm>
           <a:prstGeom prst="rect">
             <a:avLst/>
@@ -12956,7 +12908,7 @@
                 <a:cs typeface="Courier New"/>
                 <a:sym typeface="Courier New"/>
               </a:rPr>
-              <a:t> pos-1</a:t>
+              <a:t> pos - 1</a:t>
             </a:r>
             <a:endParaRPr>
               <a:latin typeface="Courier New"/>
